--- a/Diagramas/diagrama_vfo.pptx
+++ b/Diagramas/diagrama_vfo.pptx
@@ -4147,7 +4147,7 @@
         <p:spPr>
           <a:xfrm>
             <a:off x="9387125" y="2920932"/>
-            <a:ext cx="872355" cy="646331"/>
+            <a:ext cx="1005403" cy="707886"/>
           </a:xfrm>
           <a:prstGeom prst="rect">
             <a:avLst/>
@@ -4161,13 +4161,13 @@
           <a:lstStyle/>
           <a:p>
             <a:r>
-              <a:rPr lang="pt-BR" dirty="0"/>
+              <a:rPr lang="pt-BR" sz="2000" b="1" dirty="0"/>
               <a:t>Divisor</a:t>
             </a:r>
           </a:p>
           <a:p>
             <a:r>
-              <a:rPr lang="pt-BR" dirty="0"/>
+              <a:rPr lang="pt-BR" sz="2000" b="1" dirty="0"/>
               <a:t>    :4</a:t>
             </a:r>
           </a:p>
